--- a/期末驗收/B/G04_吳健碩.pptx
+++ b/期末驗收/B/G04_吳健碩.pptx
@@ -107,6 +107,11 @@
       </a:defRPr>
     </a:lvl9pPr>
   </p:defaultTextStyle>
+  <p:extLst>
+    <p:ext uri="{EFAFB233-063F-42B5-8137-9DF3F51BA10A}">
+      <p15:sldGuideLst xmlns:p15="http://schemas.microsoft.com/office/powerpoint/2012/main"/>
+    </p:ext>
+  </p:extLst>
 </p:presentation>
 </file>
 
@@ -257,7 +262,7 @@
           <a:p>
             <a:fld id="{F6259679-26B2-4668-A80D-BF8C3A473BEB}" type="datetimeFigureOut">
               <a:rPr lang="zh-TW" altLang="en-US" smtClean="0"/>
-              <a:t>2021/5/23</a:t>
+              <a:t>2021/5/30</a:t>
             </a:fld>
             <a:endParaRPr lang="zh-TW" altLang="en-US"/>
           </a:p>
@@ -455,7 +460,7 @@
           <a:p>
             <a:fld id="{F6259679-26B2-4668-A80D-BF8C3A473BEB}" type="datetimeFigureOut">
               <a:rPr lang="zh-TW" altLang="en-US" smtClean="0"/>
-              <a:t>2021/5/23</a:t>
+              <a:t>2021/5/30</a:t>
             </a:fld>
             <a:endParaRPr lang="zh-TW" altLang="en-US"/>
           </a:p>
@@ -663,7 +668,7 @@
           <a:p>
             <a:fld id="{F6259679-26B2-4668-A80D-BF8C3A473BEB}" type="datetimeFigureOut">
               <a:rPr lang="zh-TW" altLang="en-US" smtClean="0"/>
-              <a:t>2021/5/23</a:t>
+              <a:t>2021/5/30</a:t>
             </a:fld>
             <a:endParaRPr lang="zh-TW" altLang="en-US"/>
           </a:p>
@@ -861,7 +866,7 @@
           <a:p>
             <a:fld id="{F6259679-26B2-4668-A80D-BF8C3A473BEB}" type="datetimeFigureOut">
               <a:rPr lang="zh-TW" altLang="en-US" smtClean="0"/>
-              <a:t>2021/5/23</a:t>
+              <a:t>2021/5/30</a:t>
             </a:fld>
             <a:endParaRPr lang="zh-TW" altLang="en-US"/>
           </a:p>
@@ -1136,7 +1141,7 @@
           <a:p>
             <a:fld id="{F6259679-26B2-4668-A80D-BF8C3A473BEB}" type="datetimeFigureOut">
               <a:rPr lang="zh-TW" altLang="en-US" smtClean="0"/>
-              <a:t>2021/5/23</a:t>
+              <a:t>2021/5/30</a:t>
             </a:fld>
             <a:endParaRPr lang="zh-TW" altLang="en-US"/>
           </a:p>
@@ -1401,7 +1406,7 @@
           <a:p>
             <a:fld id="{F6259679-26B2-4668-A80D-BF8C3A473BEB}" type="datetimeFigureOut">
               <a:rPr lang="zh-TW" altLang="en-US" smtClean="0"/>
-              <a:t>2021/5/23</a:t>
+              <a:t>2021/5/30</a:t>
             </a:fld>
             <a:endParaRPr lang="zh-TW" altLang="en-US"/>
           </a:p>
@@ -1813,7 +1818,7 @@
           <a:p>
             <a:fld id="{F6259679-26B2-4668-A80D-BF8C3A473BEB}" type="datetimeFigureOut">
               <a:rPr lang="zh-TW" altLang="en-US" smtClean="0"/>
-              <a:t>2021/5/23</a:t>
+              <a:t>2021/5/30</a:t>
             </a:fld>
             <a:endParaRPr lang="zh-TW" altLang="en-US"/>
           </a:p>
@@ -1954,7 +1959,7 @@
           <a:p>
             <a:fld id="{F6259679-26B2-4668-A80D-BF8C3A473BEB}" type="datetimeFigureOut">
               <a:rPr lang="zh-TW" altLang="en-US" smtClean="0"/>
-              <a:t>2021/5/23</a:t>
+              <a:t>2021/5/30</a:t>
             </a:fld>
             <a:endParaRPr lang="zh-TW" altLang="en-US"/>
           </a:p>
@@ -2067,7 +2072,7 @@
           <a:p>
             <a:fld id="{F6259679-26B2-4668-A80D-BF8C3A473BEB}" type="datetimeFigureOut">
               <a:rPr lang="zh-TW" altLang="en-US" smtClean="0"/>
-              <a:t>2021/5/23</a:t>
+              <a:t>2021/5/30</a:t>
             </a:fld>
             <a:endParaRPr lang="zh-TW" altLang="en-US"/>
           </a:p>
@@ -2378,7 +2383,7 @@
           <a:p>
             <a:fld id="{F6259679-26B2-4668-A80D-BF8C3A473BEB}" type="datetimeFigureOut">
               <a:rPr lang="zh-TW" altLang="en-US" smtClean="0"/>
-              <a:t>2021/5/23</a:t>
+              <a:t>2021/5/30</a:t>
             </a:fld>
             <a:endParaRPr lang="zh-TW" altLang="en-US"/>
           </a:p>
@@ -2666,7 +2671,7 @@
           <a:p>
             <a:fld id="{F6259679-26B2-4668-A80D-BF8C3A473BEB}" type="datetimeFigureOut">
               <a:rPr lang="zh-TW" altLang="en-US" smtClean="0"/>
-              <a:t>2021/5/23</a:t>
+              <a:t>2021/5/30</a:t>
             </a:fld>
             <a:endParaRPr lang="zh-TW" altLang="en-US"/>
           </a:p>
@@ -2907,7 +2912,7 @@
           <a:p>
             <a:fld id="{F6259679-26B2-4668-A80D-BF8C3A473BEB}" type="datetimeFigureOut">
               <a:rPr lang="zh-TW" altLang="en-US" smtClean="0"/>
-              <a:t>2021/5/23</a:t>
+              <a:t>2021/5/30</a:t>
             </a:fld>
             <a:endParaRPr lang="zh-TW" altLang="en-US"/>
           </a:p>
@@ -3554,6 +3559,47 @@
               </a:rPr>
               <a:t>: </a:t>
             </a:r>
+          </a:p>
+          <a:p>
+            <a:pPr marL="0" indent="0">
+              <a:buNone/>
+            </a:pPr>
+            <a:r>
+              <a:rPr lang="en-US" altLang="zh-TW" sz="2400" kern="100" dirty="0">
+                <a:solidFill>
+                  <a:srgbClr val="333333"/>
+                </a:solidFill>
+                <a:effectLst/>
+                <a:latin typeface="Helvetica" panose="020B0604020202020204" pitchFamily="34" charset="0"/>
+                <a:ea typeface="新細明體" panose="02020500000000000000" pitchFamily="18" charset="-120"/>
+                <a:cs typeface="Times New Roman" panose="02020603050405020304" pitchFamily="18" charset="0"/>
+              </a:rPr>
+              <a:t>     b. project </a:t>
+            </a:r>
+            <a:r>
+              <a:rPr lang="zh-TW" altLang="zh-TW" sz="2400" kern="100" dirty="0">
+                <a:solidFill>
+                  <a:srgbClr val="333333"/>
+                </a:solidFill>
+                <a:effectLst/>
+                <a:latin typeface="Helvetica" panose="020B0604020202020204" pitchFamily="34" charset="0"/>
+                <a:ea typeface="新細明體" panose="02020500000000000000" pitchFamily="18" charset="-120"/>
+                <a:cs typeface="Helvetica" panose="020B0604020202020204" pitchFamily="34" charset="0"/>
+              </a:rPr>
+              <a:t>執行之</a:t>
+            </a:r>
+            <a:r>
+              <a:rPr lang="en-US" altLang="zh-TW" sz="2400" kern="100" dirty="0">
+                <a:solidFill>
+                  <a:srgbClr val="333333"/>
+                </a:solidFill>
+                <a:effectLst/>
+                <a:latin typeface="Helvetica" panose="020B0604020202020204" pitchFamily="34" charset="0"/>
+                <a:ea typeface="新細明體" panose="02020500000000000000" pitchFamily="18" charset="-120"/>
+                <a:cs typeface="Times New Roman" panose="02020603050405020304" pitchFamily="18" charset="0"/>
+              </a:rPr>
+              <a:t>URL</a:t>
+            </a:r>
             <a:endParaRPr lang="zh-TW" altLang="zh-TW" sz="2400" kern="100" dirty="0">
               <a:effectLst/>
               <a:latin typeface="Calibri" panose="020F0502020204030204" pitchFamily="34" charset="0"/>
@@ -3963,199 +4009,9 @@
             </a:endParaRPr>
           </a:p>
           <a:p>
-            <a:r>
-              <a:rPr lang="zh-TW" altLang="zh-TW" sz="2400" b="0" kern="100" dirty="0">
-                <a:effectLst/>
-                <a:latin typeface="Calibri" panose="020F0502020204030204" pitchFamily="34" charset="0"/>
-                <a:ea typeface="新細明體" panose="02020500000000000000" pitchFamily="18" charset="-120"/>
-                <a:cs typeface="Times New Roman" panose="02020603050405020304" pitchFamily="18" charset="0"/>
-              </a:rPr>
-              <a:t>未完成項目</a:t>
-            </a:r>
-            <a:r>
-              <a:rPr lang="en-US" altLang="zh-TW" sz="2400" b="0" kern="100" dirty="0">
-                <a:effectLst/>
-                <a:latin typeface="Calibri" panose="020F0502020204030204" pitchFamily="34" charset="0"/>
-                <a:ea typeface="新細明體" panose="02020500000000000000" pitchFamily="18" charset="-120"/>
-                <a:cs typeface="Times New Roman" panose="02020603050405020304" pitchFamily="18" charset="0"/>
-              </a:rPr>
-              <a:t>:</a:t>
-            </a:r>
-            <a:endParaRPr lang="zh-TW" altLang="zh-TW" sz="2400" kern="100" dirty="0">
-              <a:effectLst/>
-              <a:latin typeface="Calibri" panose="020F0502020204030204" pitchFamily="34" charset="0"/>
-              <a:ea typeface="新細明體" panose="02020500000000000000" pitchFamily="18" charset="-120"/>
-              <a:cs typeface="Times New Roman" panose="02020603050405020304" pitchFamily="18" charset="0"/>
-            </a:endParaRPr>
-          </a:p>
-          <a:p>
-            <a:pPr marL="457200" lvl="1" indent="0">
+            <a:pPr marL="0" indent="0">
               <a:buNone/>
             </a:pPr>
-            <a:r>
-              <a:rPr lang="en-US" altLang="zh-TW" kern="100" dirty="0">
-                <a:solidFill>
-                  <a:srgbClr val="333333"/>
-                </a:solidFill>
-                <a:effectLst/>
-                <a:latin typeface="Helvetica" panose="020B0604020202020204" pitchFamily="34" charset="0"/>
-                <a:ea typeface="新細明體" panose="02020500000000000000" pitchFamily="18" charset="-120"/>
-                <a:cs typeface="Times New Roman" panose="02020603050405020304" pitchFamily="18" charset="0"/>
-              </a:rPr>
-              <a:t>b. project </a:t>
-            </a:r>
-            <a:r>
-              <a:rPr lang="zh-TW" altLang="zh-TW" kern="100" dirty="0">
-                <a:solidFill>
-                  <a:srgbClr val="333333"/>
-                </a:solidFill>
-                <a:effectLst/>
-                <a:latin typeface="Helvetica" panose="020B0604020202020204" pitchFamily="34" charset="0"/>
-                <a:ea typeface="新細明體" panose="02020500000000000000" pitchFamily="18" charset="-120"/>
-                <a:cs typeface="Helvetica" panose="020B0604020202020204" pitchFamily="34" charset="0"/>
-              </a:rPr>
-              <a:t>執行之</a:t>
-            </a:r>
-            <a:r>
-              <a:rPr lang="en-US" altLang="zh-TW" kern="100" dirty="0">
-                <a:solidFill>
-                  <a:srgbClr val="333333"/>
-                </a:solidFill>
-                <a:effectLst/>
-                <a:latin typeface="Helvetica" panose="020B0604020202020204" pitchFamily="34" charset="0"/>
-                <a:ea typeface="新細明體" panose="02020500000000000000" pitchFamily="18" charset="-120"/>
-                <a:cs typeface="Times New Roman" panose="02020603050405020304" pitchFamily="18" charset="0"/>
-              </a:rPr>
-              <a:t>URL: </a:t>
-            </a:r>
-            <a:r>
-              <a:rPr lang="zh-TW" altLang="zh-TW" kern="100" dirty="0">
-                <a:solidFill>
-                  <a:srgbClr val="333333"/>
-                </a:solidFill>
-                <a:effectLst/>
-                <a:latin typeface="Helvetica" panose="020B0604020202020204" pitchFamily="34" charset="0"/>
-                <a:ea typeface="新細明體" panose="02020500000000000000" pitchFamily="18" charset="-120"/>
-                <a:cs typeface="Helvetica" panose="020B0604020202020204" pitchFamily="34" charset="0"/>
-              </a:rPr>
-              <a:t>將</a:t>
-            </a:r>
-            <a:r>
-              <a:rPr lang="en-US" altLang="zh-TW" kern="100" dirty="0">
-                <a:solidFill>
-                  <a:srgbClr val="333333"/>
-                </a:solidFill>
-                <a:effectLst/>
-                <a:latin typeface="Helvetica" panose="020B0604020202020204" pitchFamily="34" charset="0"/>
-                <a:ea typeface="新細明體" panose="02020500000000000000" pitchFamily="18" charset="-120"/>
-                <a:cs typeface="Times New Roman" panose="02020603050405020304" pitchFamily="18" charset="0"/>
-              </a:rPr>
-              <a:t>project</a:t>
-            </a:r>
-            <a:r>
-              <a:rPr lang="zh-TW" altLang="zh-TW" kern="100" dirty="0">
-                <a:solidFill>
-                  <a:srgbClr val="333333"/>
-                </a:solidFill>
-                <a:effectLst/>
-                <a:latin typeface="Helvetica" panose="020B0604020202020204" pitchFamily="34" charset="0"/>
-                <a:ea typeface="新細明體" panose="02020500000000000000" pitchFamily="18" charset="-120"/>
-                <a:cs typeface="Helvetica" panose="020B0604020202020204" pitchFamily="34" charset="0"/>
-              </a:rPr>
-              <a:t>送上</a:t>
-            </a:r>
-            <a:r>
-              <a:rPr lang="en-US" altLang="zh-TW" kern="100" dirty="0" err="1">
-                <a:solidFill>
-                  <a:srgbClr val="333333"/>
-                </a:solidFill>
-                <a:effectLst/>
-                <a:latin typeface="Helvetica" panose="020B0604020202020204" pitchFamily="34" charset="0"/>
-                <a:ea typeface="新細明體" panose="02020500000000000000" pitchFamily="18" charset="-120"/>
-                <a:cs typeface="Times New Roman" panose="02020603050405020304" pitchFamily="18" charset="0"/>
-              </a:rPr>
-              <a:t>heroku</a:t>
-            </a:r>
-            <a:r>
-              <a:rPr lang="zh-TW" altLang="zh-TW" kern="100" dirty="0">
-                <a:solidFill>
-                  <a:srgbClr val="333333"/>
-                </a:solidFill>
-                <a:effectLst/>
-                <a:latin typeface="Helvetica" panose="020B0604020202020204" pitchFamily="34" charset="0"/>
-                <a:ea typeface="新細明體" panose="02020500000000000000" pitchFamily="18" charset="-120"/>
-                <a:cs typeface="Helvetica" panose="020B0604020202020204" pitchFamily="34" charset="0"/>
-              </a:rPr>
-              <a:t>出現</a:t>
-            </a:r>
-            <a:r>
-              <a:rPr lang="en-US" altLang="zh-TW" kern="100" dirty="0">
-                <a:solidFill>
-                  <a:srgbClr val="333333"/>
-                </a:solidFill>
-                <a:effectLst/>
-                <a:latin typeface="Helvetica" panose="020B0604020202020204" pitchFamily="34" charset="0"/>
-                <a:ea typeface="新細明體" panose="02020500000000000000" pitchFamily="18" charset="-120"/>
-                <a:cs typeface="Times New Roman" panose="02020603050405020304" pitchFamily="18" charset="0"/>
-              </a:rPr>
-              <a:t>error</a:t>
-            </a:r>
-            <a:r>
-              <a:rPr lang="zh-TW" altLang="zh-TW" kern="100" dirty="0">
-                <a:solidFill>
-                  <a:srgbClr val="333333"/>
-                </a:solidFill>
-                <a:effectLst/>
-                <a:latin typeface="Helvetica" panose="020B0604020202020204" pitchFamily="34" charset="0"/>
-                <a:ea typeface="新細明體" panose="02020500000000000000" pitchFamily="18" charset="-120"/>
-                <a:cs typeface="Helvetica" panose="020B0604020202020204" pitchFamily="34" charset="0"/>
-              </a:rPr>
-              <a:t>，但地端的</a:t>
-            </a:r>
-            <a:r>
-              <a:rPr lang="en-US" altLang="zh-TW" kern="100" dirty="0">
-                <a:solidFill>
-                  <a:srgbClr val="333333"/>
-                </a:solidFill>
-                <a:effectLst/>
-                <a:latin typeface="Helvetica" panose="020B0604020202020204" pitchFamily="34" charset="0"/>
-                <a:ea typeface="新細明體" panose="02020500000000000000" pitchFamily="18" charset="-120"/>
-                <a:cs typeface="Times New Roman" panose="02020603050405020304" pitchFamily="18" charset="0"/>
-              </a:rPr>
-              <a:t>Project</a:t>
-            </a:r>
-            <a:r>
-              <a:rPr lang="zh-TW" altLang="zh-TW" kern="100" dirty="0">
-                <a:solidFill>
-                  <a:srgbClr val="333333"/>
-                </a:solidFill>
-                <a:effectLst/>
-                <a:latin typeface="Helvetica" panose="020B0604020202020204" pitchFamily="34" charset="0"/>
-                <a:ea typeface="新細明體" panose="02020500000000000000" pitchFamily="18" charset="-120"/>
-                <a:cs typeface="Helvetica" panose="020B0604020202020204" pitchFamily="34" charset="0"/>
-              </a:rPr>
-              <a:t>能夠連上</a:t>
-            </a:r>
-            <a:r>
-              <a:rPr lang="en-US" altLang="zh-TW" kern="100" dirty="0" err="1">
-                <a:solidFill>
-                  <a:srgbClr val="333333"/>
-                </a:solidFill>
-                <a:effectLst/>
-                <a:latin typeface="Helvetica" panose="020B0604020202020204" pitchFamily="34" charset="0"/>
-                <a:ea typeface="新細明體" panose="02020500000000000000" pitchFamily="18" charset="-120"/>
-                <a:cs typeface="Times New Roman" panose="02020603050405020304" pitchFamily="18" charset="0"/>
-              </a:rPr>
-              <a:t>cleardb</a:t>
-            </a:r>
-            <a:endParaRPr lang="zh-TW" altLang="zh-TW" kern="100" dirty="0">
-              <a:effectLst/>
-              <a:latin typeface="Calibri" panose="020F0502020204030204" pitchFamily="34" charset="0"/>
-              <a:ea typeface="新細明體" panose="02020500000000000000" pitchFamily="18" charset="-120"/>
-              <a:cs typeface="Times New Roman" panose="02020603050405020304" pitchFamily="18" charset="0"/>
-            </a:endParaRPr>
-          </a:p>
-          <a:p>
             <a:endParaRPr lang="zh-TW" altLang="en-US" dirty="0"/>
           </a:p>
         </p:txBody>
@@ -4519,88 +4375,72 @@
                 <a:ea typeface="新細明體" panose="02020500000000000000" pitchFamily="18" charset="-120"/>
                 <a:cs typeface="Times New Roman" panose="02020603050405020304" pitchFamily="18" charset="0"/>
               </a:rPr>
-              <a:t>，但加入後可以送上去，但</a:t>
-            </a:r>
-            <a:r>
-              <a:rPr lang="en-US" altLang="zh-TW" sz="2400" b="0" kern="100" dirty="0">
-                <a:effectLst/>
-                <a:latin typeface="Calibri" panose="020F0502020204030204" pitchFamily="34" charset="0"/>
-                <a:ea typeface="新細明體" panose="02020500000000000000" pitchFamily="18" charset="-120"/>
-                <a:cs typeface="Times New Roman" panose="02020603050405020304" pitchFamily="18" charset="0"/>
-              </a:rPr>
-              <a:t>project</a:t>
-            </a:r>
-            <a:r>
-              <a:rPr lang="zh-TW" altLang="zh-TW" sz="2400" b="0" kern="100" dirty="0">
-                <a:effectLst/>
-                <a:latin typeface="Calibri" panose="020F0502020204030204" pitchFamily="34" charset="0"/>
-                <a:ea typeface="新細明體" panose="02020500000000000000" pitchFamily="18" charset="-120"/>
-                <a:cs typeface="Times New Roman" panose="02020603050405020304" pitchFamily="18" charset="0"/>
-              </a:rPr>
-              <a:t>整個都跑不動，不管事</a:t>
-            </a:r>
-            <a:r>
-              <a:rPr lang="en-US" altLang="zh-TW" sz="2400" b="0" kern="100" dirty="0" err="1">
-                <a:effectLst/>
-                <a:latin typeface="Calibri" panose="020F0502020204030204" pitchFamily="34" charset="0"/>
-                <a:ea typeface="新細明體" panose="02020500000000000000" pitchFamily="18" charset="-120"/>
-                <a:cs typeface="Times New Roman" panose="02020603050405020304" pitchFamily="18" charset="0"/>
-              </a:rPr>
-              <a:t>heroku</a:t>
-            </a:r>
-            <a:r>
-              <a:rPr lang="zh-TW" altLang="zh-TW" sz="2400" b="0" kern="100" dirty="0">
-                <a:effectLst/>
-                <a:latin typeface="Calibri" panose="020F0502020204030204" pitchFamily="34" charset="0"/>
-                <a:ea typeface="新細明體" panose="02020500000000000000" pitchFamily="18" charset="-120"/>
-                <a:cs typeface="Times New Roman" panose="02020603050405020304" pitchFamily="18" charset="0"/>
-              </a:rPr>
-              <a:t>或</a:t>
-            </a:r>
-            <a:r>
-              <a:rPr lang="en-US" altLang="zh-TW" sz="2400" b="0" kern="100" dirty="0" err="1">
-                <a:effectLst/>
-                <a:latin typeface="Calibri" panose="020F0502020204030204" pitchFamily="34" charset="0"/>
-                <a:ea typeface="新細明體" panose="02020500000000000000" pitchFamily="18" charset="-120"/>
-                <a:cs typeface="Times New Roman" panose="02020603050405020304" pitchFamily="18" charset="0"/>
-              </a:rPr>
-              <a:t>loaclhos</a:t>
-            </a:r>
-            <a:r>
-              <a:rPr lang="zh-TW" altLang="zh-TW" sz="2400" b="0" kern="100" dirty="0">
-                <a:effectLst/>
-                <a:latin typeface="Calibri" panose="020F0502020204030204" pitchFamily="34" charset="0"/>
-                <a:ea typeface="新細明體" panose="02020500000000000000" pitchFamily="18" charset="-120"/>
-                <a:cs typeface="Times New Roman" panose="02020603050405020304" pitchFamily="18" charset="0"/>
-              </a:rPr>
-              <a:t>。後來選擇用</a:t>
-            </a:r>
-            <a:r>
-              <a:rPr lang="en-US" altLang="zh-TW" sz="2400" b="0" kern="100" dirty="0">
-                <a:effectLst/>
-                <a:latin typeface="Calibri" panose="020F0502020204030204" pitchFamily="34" charset="0"/>
-                <a:ea typeface="新細明體" panose="02020500000000000000" pitchFamily="18" charset="-120"/>
-                <a:cs typeface="Times New Roman" panose="02020603050405020304" pitchFamily="18" charset="0"/>
-              </a:rPr>
-              <a:t>AZURE</a:t>
-            </a:r>
-            <a:r>
-              <a:rPr lang="zh-TW" altLang="zh-TW" sz="2400" b="0" kern="100" dirty="0">
-                <a:effectLst/>
-                <a:latin typeface="Calibri" panose="020F0502020204030204" pitchFamily="34" charset="0"/>
-                <a:ea typeface="新細明體" panose="02020500000000000000" pitchFamily="18" charset="-120"/>
-                <a:cs typeface="Times New Roman" panose="02020603050405020304" pitchFamily="18" charset="0"/>
-              </a:rPr>
-              <a:t>來佈建，還是沒又成功。</a:t>
-            </a:r>
-            <a:endParaRPr lang="zh-TW" altLang="zh-TW" sz="2400" kern="100" dirty="0">
-              <a:effectLst/>
-              <a:latin typeface="Calibri" panose="020F0502020204030204" pitchFamily="34" charset="0"/>
-              <a:ea typeface="新細明體" panose="02020500000000000000" pitchFamily="18" charset="-120"/>
-              <a:cs typeface="Times New Roman" panose="02020603050405020304" pitchFamily="18" charset="0"/>
-            </a:endParaRPr>
-          </a:p>
-          <a:p>
+              <a:t>，</a:t>
+            </a:r>
+            <a:r>
+              <a:rPr lang="zh-TW" altLang="en-US" sz="2400" kern="100" dirty="0">
+                <a:latin typeface="Calibri" panose="020F0502020204030204" pitchFamily="34" charset="0"/>
+                <a:ea typeface="新細明體" panose="02020500000000000000" pitchFamily="18" charset="-120"/>
+                <a:cs typeface="Times New Roman" panose="02020603050405020304" pitchFamily="18" charset="0"/>
+              </a:rPr>
+              <a:t>最後在</a:t>
+            </a:r>
+            <a:r>
+              <a:rPr lang="en-US" altLang="zh-TW" sz="2400" kern="100" dirty="0" err="1">
+                <a:latin typeface="Calibri" panose="020F0502020204030204" pitchFamily="34" charset="0"/>
+                <a:ea typeface="新細明體" panose="02020500000000000000" pitchFamily="18" charset="-120"/>
+                <a:cs typeface="Times New Roman" panose="02020603050405020304" pitchFamily="18" charset="0"/>
+              </a:rPr>
+              <a:t>package.json</a:t>
+            </a:r>
+            <a:r>
+              <a:rPr lang="zh-TW" altLang="en-US" sz="2400" kern="100" dirty="0">
+                <a:latin typeface="Calibri" panose="020F0502020204030204" pitchFamily="34" charset="0"/>
+                <a:ea typeface="新細明體" panose="02020500000000000000" pitchFamily="18" charset="-120"/>
+                <a:cs typeface="Times New Roman" panose="02020603050405020304" pitchFamily="18" charset="0"/>
+              </a:rPr>
+              <a:t>裡將 </a:t>
+            </a:r>
+            <a:r>
+              <a:rPr lang="en-US" altLang="zh-TW" sz="2400" kern="100" dirty="0" err="1">
+                <a:latin typeface="Calibri" panose="020F0502020204030204" pitchFamily="34" charset="0"/>
+                <a:ea typeface="新細明體" panose="02020500000000000000" pitchFamily="18" charset="-120"/>
+                <a:cs typeface="Times New Roman" panose="02020603050405020304" pitchFamily="18" charset="0"/>
+              </a:rPr>
+              <a:t>nodemon</a:t>
+            </a:r>
+            <a:r>
+              <a:rPr lang="en-US" altLang="zh-TW" sz="2400" kern="100" dirty="0">
+                <a:latin typeface="Calibri" panose="020F0502020204030204" pitchFamily="34" charset="0"/>
+                <a:ea typeface="新細明體" panose="02020500000000000000" pitchFamily="18" charset="-120"/>
+                <a:cs typeface="Times New Roman" panose="02020603050405020304" pitchFamily="18" charset="0"/>
+              </a:rPr>
+              <a:t> </a:t>
+            </a:r>
+            <a:r>
+              <a:rPr lang="zh-TW" altLang="en-US" sz="2400" kern="100" dirty="0">
+                <a:latin typeface="Calibri" panose="020F0502020204030204" pitchFamily="34" charset="0"/>
+                <a:ea typeface="新細明體" panose="02020500000000000000" pitchFamily="18" charset="-120"/>
+                <a:cs typeface="Times New Roman" panose="02020603050405020304" pitchFamily="18" charset="0"/>
+              </a:rPr>
+              <a:t>改成</a:t>
+            </a:r>
+            <a:r>
+              <a:rPr lang="en-US" altLang="zh-TW" sz="2400" kern="100" dirty="0">
+                <a:latin typeface="Calibri" panose="020F0502020204030204" pitchFamily="34" charset="0"/>
+                <a:ea typeface="新細明體" panose="02020500000000000000" pitchFamily="18" charset="-120"/>
+                <a:cs typeface="Times New Roman" panose="02020603050405020304" pitchFamily="18" charset="0"/>
+              </a:rPr>
+              <a:t>node </a:t>
+            </a:r>
+            <a:r>
+              <a:rPr lang="zh-TW" altLang="en-US" sz="2400" kern="100" dirty="0">
+                <a:latin typeface="Calibri" panose="020F0502020204030204" pitchFamily="34" charset="0"/>
+                <a:ea typeface="新細明體" panose="02020500000000000000" pitchFamily="18" charset="-120"/>
+                <a:cs typeface="Times New Roman" panose="02020603050405020304" pitchFamily="18" charset="0"/>
+              </a:rPr>
+              <a:t>就成功了。</a:t>
+            </a:r>
             <a:endParaRPr lang="zh-TW" altLang="en-US" dirty="0"/>
           </a:p>
         </p:txBody>
